--- a/Presentation1.pptx
+++ b/Presentation1.pptx
@@ -263,7 +263,7 @@
           <a:p>
             <a:fld id="{A22297B0-55BB-4B36-8CE7-259AE2E5F9BD}" type="datetimeFigureOut">
               <a:rPr lang="en-US" smtClean="0"/>
-              <a:t>27-Nov-21</a:t>
+              <a:t>05-Dec-21</a:t>
             </a:fld>
             <a:endParaRPr lang="en-US"/>
           </a:p>
@@ -461,7 +461,7 @@
           <a:p>
             <a:fld id="{A22297B0-55BB-4B36-8CE7-259AE2E5F9BD}" type="datetimeFigureOut">
               <a:rPr lang="en-US" smtClean="0"/>
-              <a:t>27-Nov-21</a:t>
+              <a:t>05-Dec-21</a:t>
             </a:fld>
             <a:endParaRPr lang="en-US"/>
           </a:p>
@@ -669,7 +669,7 @@
           <a:p>
             <a:fld id="{A22297B0-55BB-4B36-8CE7-259AE2E5F9BD}" type="datetimeFigureOut">
               <a:rPr lang="en-US" smtClean="0"/>
-              <a:t>27-Nov-21</a:t>
+              <a:t>05-Dec-21</a:t>
             </a:fld>
             <a:endParaRPr lang="en-US"/>
           </a:p>
@@ -867,7 +867,7 @@
           <a:p>
             <a:fld id="{A22297B0-55BB-4B36-8CE7-259AE2E5F9BD}" type="datetimeFigureOut">
               <a:rPr lang="en-US" smtClean="0"/>
-              <a:t>27-Nov-21</a:t>
+              <a:t>05-Dec-21</a:t>
             </a:fld>
             <a:endParaRPr lang="en-US"/>
           </a:p>
@@ -1142,7 +1142,7 @@
           <a:p>
             <a:fld id="{A22297B0-55BB-4B36-8CE7-259AE2E5F9BD}" type="datetimeFigureOut">
               <a:rPr lang="en-US" smtClean="0"/>
-              <a:t>27-Nov-21</a:t>
+              <a:t>05-Dec-21</a:t>
             </a:fld>
             <a:endParaRPr lang="en-US"/>
           </a:p>
@@ -1407,7 +1407,7 @@
           <a:p>
             <a:fld id="{A22297B0-55BB-4B36-8CE7-259AE2E5F9BD}" type="datetimeFigureOut">
               <a:rPr lang="en-US" smtClean="0"/>
-              <a:t>27-Nov-21</a:t>
+              <a:t>05-Dec-21</a:t>
             </a:fld>
             <a:endParaRPr lang="en-US"/>
           </a:p>
@@ -1819,7 +1819,7 @@
           <a:p>
             <a:fld id="{A22297B0-55BB-4B36-8CE7-259AE2E5F9BD}" type="datetimeFigureOut">
               <a:rPr lang="en-US" smtClean="0"/>
-              <a:t>27-Nov-21</a:t>
+              <a:t>05-Dec-21</a:t>
             </a:fld>
             <a:endParaRPr lang="en-US"/>
           </a:p>
@@ -1960,7 +1960,7 @@
           <a:p>
             <a:fld id="{A22297B0-55BB-4B36-8CE7-259AE2E5F9BD}" type="datetimeFigureOut">
               <a:rPr lang="en-US" smtClean="0"/>
-              <a:t>27-Nov-21</a:t>
+              <a:t>05-Dec-21</a:t>
             </a:fld>
             <a:endParaRPr lang="en-US"/>
           </a:p>
@@ -2073,7 +2073,7 @@
           <a:p>
             <a:fld id="{A22297B0-55BB-4B36-8CE7-259AE2E5F9BD}" type="datetimeFigureOut">
               <a:rPr lang="en-US" smtClean="0"/>
-              <a:t>27-Nov-21</a:t>
+              <a:t>05-Dec-21</a:t>
             </a:fld>
             <a:endParaRPr lang="en-US"/>
           </a:p>
@@ -2384,7 +2384,7 @@
           <a:p>
             <a:fld id="{A22297B0-55BB-4B36-8CE7-259AE2E5F9BD}" type="datetimeFigureOut">
               <a:rPr lang="en-US" smtClean="0"/>
-              <a:t>27-Nov-21</a:t>
+              <a:t>05-Dec-21</a:t>
             </a:fld>
             <a:endParaRPr lang="en-US"/>
           </a:p>
@@ -2672,7 +2672,7 @@
           <a:p>
             <a:fld id="{A22297B0-55BB-4B36-8CE7-259AE2E5F9BD}" type="datetimeFigureOut">
               <a:rPr lang="en-US" smtClean="0"/>
-              <a:t>27-Nov-21</a:t>
+              <a:t>05-Dec-21</a:t>
             </a:fld>
             <a:endParaRPr lang="en-US"/>
           </a:p>
@@ -2913,7 +2913,7 @@
           <a:p>
             <a:fld id="{A22297B0-55BB-4B36-8CE7-259AE2E5F9BD}" type="datetimeFigureOut">
               <a:rPr lang="en-US" smtClean="0"/>
-              <a:t>27-Nov-21</a:t>
+              <a:t>05-Dec-21</a:t>
             </a:fld>
             <a:endParaRPr lang="en-US"/>
           </a:p>
@@ -8142,6 +8142,72 @@
           </a:p>
         </p:txBody>
       </p:sp>
+      <p:sp>
+        <p:nvSpPr>
+          <p:cNvPr id="22" name="Rectangle 21">
+            <a:extLst>
+              <a:ext uri="{FF2B5EF4-FFF2-40B4-BE49-F238E27FC236}">
+                <a16:creationId xmlns:a16="http://schemas.microsoft.com/office/drawing/2014/main" id="{B524D496-4E5C-4232-B479-232DEDF9518C}"/>
+              </a:ext>
+            </a:extLst>
+          </p:cNvPr>
+          <p:cNvSpPr/>
+          <p:nvPr/>
+        </p:nvSpPr>
+        <p:spPr>
+          <a:xfrm>
+            <a:off x="8811597" y="4010527"/>
+            <a:ext cx="2006797" cy="529389"/>
+          </a:xfrm>
+          <a:prstGeom prst="rect">
+            <a:avLst/>
+          </a:prstGeom>
+        </p:spPr>
+        <p:style>
+          <a:lnRef idx="2">
+            <a:schemeClr val="accent1">
+              <a:shade val="50000"/>
+            </a:schemeClr>
+          </a:lnRef>
+          <a:fillRef idx="1">
+            <a:schemeClr val="accent1"/>
+          </a:fillRef>
+          <a:effectRef idx="0">
+            <a:schemeClr val="accent1"/>
+          </a:effectRef>
+          <a:fontRef idx="minor">
+            <a:schemeClr val="lt1"/>
+          </a:fontRef>
+        </p:style>
+        <p:txBody>
+          <a:bodyPr rtlCol="0" anchor="ctr"/>
+          <a:lstStyle/>
+          <a:p>
+            <a:pPr algn="ctr"/>
+            <a:r>
+              <a:rPr lang="en-US" dirty="0" err="1"/>
+              <a:t>Quản</a:t>
+            </a:r>
+            <a:r>
+              <a:rPr lang="en-US" dirty="0"/>
+              <a:t> </a:t>
+            </a:r>
+            <a:r>
+              <a:rPr lang="en-US" dirty="0" err="1"/>
+              <a:t>lí</a:t>
+            </a:r>
+            <a:r>
+              <a:rPr lang="en-US" dirty="0"/>
+              <a:t> </a:t>
+            </a:r>
+            <a:r>
+              <a:rPr lang="en-US" dirty="0" err="1"/>
+              <a:t>kho</a:t>
+            </a:r>
+            <a:endParaRPr lang="en-US" dirty="0"/>
+          </a:p>
+        </p:txBody>
+      </p:sp>
     </p:spTree>
     <p:extLst>
       <p:ext uri="{BB962C8B-B14F-4D97-AF65-F5344CB8AC3E}">

--- a/Presentation1.pptx
+++ b/Presentation1.pptx
@@ -263,7 +263,7 @@
           <a:p>
             <a:fld id="{A22297B0-55BB-4B36-8CE7-259AE2E5F9BD}" type="datetimeFigureOut">
               <a:rPr lang="en-US" smtClean="0"/>
-              <a:t>05-Dec-21</a:t>
+              <a:t>18-Dec-21</a:t>
             </a:fld>
             <a:endParaRPr lang="en-US"/>
           </a:p>
@@ -461,7 +461,7 @@
           <a:p>
             <a:fld id="{A22297B0-55BB-4B36-8CE7-259AE2E5F9BD}" type="datetimeFigureOut">
               <a:rPr lang="en-US" smtClean="0"/>
-              <a:t>05-Dec-21</a:t>
+              <a:t>18-Dec-21</a:t>
             </a:fld>
             <a:endParaRPr lang="en-US"/>
           </a:p>
@@ -669,7 +669,7 @@
           <a:p>
             <a:fld id="{A22297B0-55BB-4B36-8CE7-259AE2E5F9BD}" type="datetimeFigureOut">
               <a:rPr lang="en-US" smtClean="0"/>
-              <a:t>05-Dec-21</a:t>
+              <a:t>18-Dec-21</a:t>
             </a:fld>
             <a:endParaRPr lang="en-US"/>
           </a:p>
@@ -867,7 +867,7 @@
           <a:p>
             <a:fld id="{A22297B0-55BB-4B36-8CE7-259AE2E5F9BD}" type="datetimeFigureOut">
               <a:rPr lang="en-US" smtClean="0"/>
-              <a:t>05-Dec-21</a:t>
+              <a:t>18-Dec-21</a:t>
             </a:fld>
             <a:endParaRPr lang="en-US"/>
           </a:p>
@@ -1142,7 +1142,7 @@
           <a:p>
             <a:fld id="{A22297B0-55BB-4B36-8CE7-259AE2E5F9BD}" type="datetimeFigureOut">
               <a:rPr lang="en-US" smtClean="0"/>
-              <a:t>05-Dec-21</a:t>
+              <a:t>18-Dec-21</a:t>
             </a:fld>
             <a:endParaRPr lang="en-US"/>
           </a:p>
@@ -1407,7 +1407,7 @@
           <a:p>
             <a:fld id="{A22297B0-55BB-4B36-8CE7-259AE2E5F9BD}" type="datetimeFigureOut">
               <a:rPr lang="en-US" smtClean="0"/>
-              <a:t>05-Dec-21</a:t>
+              <a:t>18-Dec-21</a:t>
             </a:fld>
             <a:endParaRPr lang="en-US"/>
           </a:p>
@@ -1819,7 +1819,7 @@
           <a:p>
             <a:fld id="{A22297B0-55BB-4B36-8CE7-259AE2E5F9BD}" type="datetimeFigureOut">
               <a:rPr lang="en-US" smtClean="0"/>
-              <a:t>05-Dec-21</a:t>
+              <a:t>18-Dec-21</a:t>
             </a:fld>
             <a:endParaRPr lang="en-US"/>
           </a:p>
@@ -1960,7 +1960,7 @@
           <a:p>
             <a:fld id="{A22297B0-55BB-4B36-8CE7-259AE2E5F9BD}" type="datetimeFigureOut">
               <a:rPr lang="en-US" smtClean="0"/>
-              <a:t>05-Dec-21</a:t>
+              <a:t>18-Dec-21</a:t>
             </a:fld>
             <a:endParaRPr lang="en-US"/>
           </a:p>
@@ -2073,7 +2073,7 @@
           <a:p>
             <a:fld id="{A22297B0-55BB-4B36-8CE7-259AE2E5F9BD}" type="datetimeFigureOut">
               <a:rPr lang="en-US" smtClean="0"/>
-              <a:t>05-Dec-21</a:t>
+              <a:t>18-Dec-21</a:t>
             </a:fld>
             <a:endParaRPr lang="en-US"/>
           </a:p>
@@ -2384,7 +2384,7 @@
           <a:p>
             <a:fld id="{A22297B0-55BB-4B36-8CE7-259AE2E5F9BD}" type="datetimeFigureOut">
               <a:rPr lang="en-US" smtClean="0"/>
-              <a:t>05-Dec-21</a:t>
+              <a:t>18-Dec-21</a:t>
             </a:fld>
             <a:endParaRPr lang="en-US"/>
           </a:p>
@@ -2672,7 +2672,7 @@
           <a:p>
             <a:fld id="{A22297B0-55BB-4B36-8CE7-259AE2E5F9BD}" type="datetimeFigureOut">
               <a:rPr lang="en-US" smtClean="0"/>
-              <a:t>05-Dec-21</a:t>
+              <a:t>18-Dec-21</a:t>
             </a:fld>
             <a:endParaRPr lang="en-US"/>
           </a:p>
@@ -2913,7 +2913,7 @@
           <a:p>
             <a:fld id="{A22297B0-55BB-4B36-8CE7-259AE2E5F9BD}" type="datetimeFigureOut">
               <a:rPr lang="en-US" smtClean="0"/>
-              <a:t>05-Dec-21</a:t>
+              <a:t>18-Dec-21</a:t>
             </a:fld>
             <a:endParaRPr lang="en-US"/>
           </a:p>
@@ -7622,7 +7622,7 @@
             </a:r>
             <a:r>
               <a:rPr lang="en-US" dirty="0" err="1"/>
-              <a:t>thông</a:t>
+              <a:t>thống</a:t>
             </a:r>
             <a:endParaRPr lang="en-US" dirty="0"/>
           </a:p>
